--- a/doc/datalog2.0/figures.pptx
+++ b/doc/datalog2.0/figures.pptx
@@ -6,8 +6,9 @@
   </p:sldMasterIdLst>
   <p:sldIdLst>
     <p:sldId id="256" r:id="rId2"/>
-    <p:sldId id="257" r:id="rId3"/>
-    <p:sldId id="259" r:id="rId4"/>
+    <p:sldId id="260" r:id="rId3"/>
+    <p:sldId id="257" r:id="rId4"/>
+    <p:sldId id="259" r:id="rId5"/>
   </p:sldIdLst>
   <p:sldSz cx="12192000" cy="6858000"/>
   <p:notesSz cx="6858000" cy="9144000"/>
@@ -15,8 +16,8 @@
     <a:defPPr>
       <a:defRPr lang="en-US"/>
     </a:defPPr>
-    <a:lvl1pPr marL="0" algn="l" defTabSz="914400" rtl="0" eaLnBrk="1" latinLnBrk="0" hangingPunct="1">
-      <a:defRPr sz="1800" kern="1200">
+    <a:lvl1pPr marL="0" algn="l" defTabSz="914395" rtl="0" eaLnBrk="1" latinLnBrk="0" hangingPunct="1">
+      <a:defRPr sz="1801" kern="1200">
         <a:solidFill>
           <a:schemeClr val="tx1"/>
         </a:solidFill>
@@ -25,8 +26,8 @@
         <a:cs typeface="+mn-cs"/>
       </a:defRPr>
     </a:lvl1pPr>
-    <a:lvl2pPr marL="457200" algn="l" defTabSz="914400" rtl="0" eaLnBrk="1" latinLnBrk="0" hangingPunct="1">
-      <a:defRPr sz="1800" kern="1200">
+    <a:lvl2pPr marL="457196" algn="l" defTabSz="914395" rtl="0" eaLnBrk="1" latinLnBrk="0" hangingPunct="1">
+      <a:defRPr sz="1801" kern="1200">
         <a:solidFill>
           <a:schemeClr val="tx1"/>
         </a:solidFill>
@@ -35,8 +36,8 @@
         <a:cs typeface="+mn-cs"/>
       </a:defRPr>
     </a:lvl2pPr>
-    <a:lvl3pPr marL="914400" algn="l" defTabSz="914400" rtl="0" eaLnBrk="1" latinLnBrk="0" hangingPunct="1">
-      <a:defRPr sz="1800" kern="1200">
+    <a:lvl3pPr marL="914395" algn="l" defTabSz="914395" rtl="0" eaLnBrk="1" latinLnBrk="0" hangingPunct="1">
+      <a:defRPr sz="1801" kern="1200">
         <a:solidFill>
           <a:schemeClr val="tx1"/>
         </a:solidFill>
@@ -45,8 +46,8 @@
         <a:cs typeface="+mn-cs"/>
       </a:defRPr>
     </a:lvl3pPr>
-    <a:lvl4pPr marL="1371600" algn="l" defTabSz="914400" rtl="0" eaLnBrk="1" latinLnBrk="0" hangingPunct="1">
-      <a:defRPr sz="1800" kern="1200">
+    <a:lvl4pPr marL="1371591" algn="l" defTabSz="914395" rtl="0" eaLnBrk="1" latinLnBrk="0" hangingPunct="1">
+      <a:defRPr sz="1801" kern="1200">
         <a:solidFill>
           <a:schemeClr val="tx1"/>
         </a:solidFill>
@@ -55,8 +56,8 @@
         <a:cs typeface="+mn-cs"/>
       </a:defRPr>
     </a:lvl4pPr>
-    <a:lvl5pPr marL="1828800" algn="l" defTabSz="914400" rtl="0" eaLnBrk="1" latinLnBrk="0" hangingPunct="1">
-      <a:defRPr sz="1800" kern="1200">
+    <a:lvl5pPr marL="1828789" algn="l" defTabSz="914395" rtl="0" eaLnBrk="1" latinLnBrk="0" hangingPunct="1">
+      <a:defRPr sz="1801" kern="1200">
         <a:solidFill>
           <a:schemeClr val="tx1"/>
         </a:solidFill>
@@ -65,8 +66,8 @@
         <a:cs typeface="+mn-cs"/>
       </a:defRPr>
     </a:lvl5pPr>
-    <a:lvl6pPr marL="2286000" algn="l" defTabSz="914400" rtl="0" eaLnBrk="1" latinLnBrk="0" hangingPunct="1">
-      <a:defRPr sz="1800" kern="1200">
+    <a:lvl6pPr marL="2285985" algn="l" defTabSz="914395" rtl="0" eaLnBrk="1" latinLnBrk="0" hangingPunct="1">
+      <a:defRPr sz="1801" kern="1200">
         <a:solidFill>
           <a:schemeClr val="tx1"/>
         </a:solidFill>
@@ -75,8 +76,8 @@
         <a:cs typeface="+mn-cs"/>
       </a:defRPr>
     </a:lvl6pPr>
-    <a:lvl7pPr marL="2743200" algn="l" defTabSz="914400" rtl="0" eaLnBrk="1" latinLnBrk="0" hangingPunct="1">
-      <a:defRPr sz="1800" kern="1200">
+    <a:lvl7pPr marL="2743182" algn="l" defTabSz="914395" rtl="0" eaLnBrk="1" latinLnBrk="0" hangingPunct="1">
+      <a:defRPr sz="1801" kern="1200">
         <a:solidFill>
           <a:schemeClr val="tx1"/>
         </a:solidFill>
@@ -85,8 +86,8 @@
         <a:cs typeface="+mn-cs"/>
       </a:defRPr>
     </a:lvl7pPr>
-    <a:lvl8pPr marL="3200400" algn="l" defTabSz="914400" rtl="0" eaLnBrk="1" latinLnBrk="0" hangingPunct="1">
-      <a:defRPr sz="1800" kern="1200">
+    <a:lvl8pPr marL="3200380" algn="l" defTabSz="914395" rtl="0" eaLnBrk="1" latinLnBrk="0" hangingPunct="1">
+      <a:defRPr sz="1801" kern="1200">
         <a:solidFill>
           <a:schemeClr val="tx1"/>
         </a:solidFill>
@@ -95,8 +96,8 @@
         <a:cs typeface="+mn-cs"/>
       </a:defRPr>
     </a:lvl8pPr>
-    <a:lvl9pPr marL="3657600" algn="l" defTabSz="914400" rtl="0" eaLnBrk="1" latinLnBrk="0" hangingPunct="1">
-      <a:defRPr sz="1800" kern="1200">
+    <a:lvl9pPr marL="3657576" algn="l" defTabSz="914395" rtl="0" eaLnBrk="1" latinLnBrk="0" hangingPunct="1">
+      <a:defRPr sz="1801" kern="1200">
         <a:solidFill>
           <a:schemeClr val="tx1"/>
         </a:solidFill>
@@ -186,8 +187,8 @@
         </p:nvSpPr>
         <p:spPr>
           <a:xfrm>
-            <a:off x="1524000" y="3602038"/>
-            <a:ext cx="9144000" cy="1655762"/>
+            <a:off x="1524000" y="3602039"/>
+            <a:ext cx="9144000" cy="1655763"/>
           </a:xfrm>
         </p:spPr>
         <p:txBody>
@@ -261,7 +262,7 @@
           <a:p>
             <a:fld id="{73F86D5A-F610-40F6-8504-E5F2F69F838C}" type="datetimeFigureOut">
               <a:rPr lang="en-US" smtClean="0"/>
-              <a:t>1/15/2019</a:t>
+              <a:t>2/13/2019</a:t>
             </a:fld>
             <a:endParaRPr lang="en-US"/>
           </a:p>
@@ -459,7 +460,7 @@
           <a:p>
             <a:fld id="{73F86D5A-F610-40F6-8504-E5F2F69F838C}" type="datetimeFigureOut">
               <a:rPr lang="en-US" smtClean="0"/>
-              <a:t>1/15/2019</a:t>
+              <a:t>2/13/2019</a:t>
             </a:fld>
             <a:endParaRPr lang="en-US"/>
           </a:p>
@@ -567,7 +568,7 @@
         </p:nvSpPr>
         <p:spPr>
           <a:xfrm>
-            <a:off x="8724900" y="365125"/>
+            <a:off x="8724901" y="365126"/>
             <a:ext cx="2628900" cy="5811838"/>
           </a:xfrm>
         </p:spPr>
@@ -600,7 +601,7 @@
         </p:nvSpPr>
         <p:spPr>
           <a:xfrm>
-            <a:off x="838200" y="365125"/>
+            <a:off x="838201" y="365126"/>
             <a:ext cx="7734300" cy="5811838"/>
           </a:xfrm>
         </p:spPr>
@@ -667,7 +668,7 @@
           <a:p>
             <a:fld id="{73F86D5A-F610-40F6-8504-E5F2F69F838C}" type="datetimeFigureOut">
               <a:rPr lang="en-US" smtClean="0"/>
-              <a:t>1/15/2019</a:t>
+              <a:t>2/13/2019</a:t>
             </a:fld>
             <a:endParaRPr lang="en-US"/>
           </a:p>
@@ -865,7 +866,7 @@
           <a:p>
             <a:fld id="{73F86D5A-F610-40F6-8504-E5F2F69F838C}" type="datetimeFigureOut">
               <a:rPr lang="en-US" smtClean="0"/>
-              <a:t>1/15/2019</a:t>
+              <a:t>2/13/2019</a:t>
             </a:fld>
             <a:endParaRPr lang="en-US"/>
           </a:p>
@@ -973,8 +974,8 @@
         </p:nvSpPr>
         <p:spPr>
           <a:xfrm>
-            <a:off x="831850" y="1709738"/>
-            <a:ext cx="10515600" cy="2852737"/>
+            <a:off x="831851" y="1709739"/>
+            <a:ext cx="10515600" cy="2852738"/>
           </a:xfrm>
         </p:spPr>
         <p:txBody>
@@ -1010,8 +1011,8 @@
         </p:nvSpPr>
         <p:spPr>
           <a:xfrm>
-            <a:off x="831850" y="4589463"/>
-            <a:ext cx="10515600" cy="1500187"/>
+            <a:off x="831851" y="4589464"/>
+            <a:ext cx="10515600" cy="1500188"/>
           </a:xfrm>
         </p:spPr>
         <p:txBody>
@@ -1140,7 +1141,7 @@
           <a:p>
             <a:fld id="{73F86D5A-F610-40F6-8504-E5F2F69F838C}" type="datetimeFigureOut">
               <a:rPr lang="en-US" smtClean="0"/>
-              <a:t>1/15/2019</a:t>
+              <a:t>2/13/2019</a:t>
             </a:fld>
             <a:endParaRPr lang="en-US"/>
           </a:p>
@@ -1276,7 +1277,7 @@
         </p:nvSpPr>
         <p:spPr>
           <a:xfrm>
-            <a:off x="838200" y="1825625"/>
+            <a:off x="838200" y="1825626"/>
             <a:ext cx="5181600" cy="4351338"/>
           </a:xfrm>
         </p:spPr>
@@ -1338,7 +1339,7 @@
         </p:nvSpPr>
         <p:spPr>
           <a:xfrm>
-            <a:off x="6172200" y="1825625"/>
+            <a:off x="6172200" y="1825626"/>
             <a:ext cx="5181600" cy="4351338"/>
           </a:xfrm>
         </p:spPr>
@@ -1405,7 +1406,7 @@
           <a:p>
             <a:fld id="{73F86D5A-F610-40F6-8504-E5F2F69F838C}" type="datetimeFigureOut">
               <a:rPr lang="en-US" smtClean="0"/>
-              <a:t>1/15/2019</a:t>
+              <a:t>2/13/2019</a:t>
             </a:fld>
             <a:endParaRPr lang="en-US"/>
           </a:p>
@@ -1513,7 +1514,7 @@
         </p:nvSpPr>
         <p:spPr>
           <a:xfrm>
-            <a:off x="839788" y="365125"/>
+            <a:off x="839789" y="365126"/>
             <a:ext cx="10515600" cy="1325563"/>
           </a:xfrm>
         </p:spPr>
@@ -1546,8 +1547,8 @@
         </p:nvSpPr>
         <p:spPr>
           <a:xfrm>
-            <a:off x="839788" y="1681163"/>
-            <a:ext cx="5157787" cy="823912"/>
+            <a:off x="839789" y="1681164"/>
+            <a:ext cx="5157787" cy="823913"/>
           </a:xfrm>
         </p:spPr>
         <p:txBody>
@@ -1617,7 +1618,7 @@
         </p:nvSpPr>
         <p:spPr>
           <a:xfrm>
-            <a:off x="839788" y="2505075"/>
+            <a:off x="839789" y="2505076"/>
             <a:ext cx="5157787" cy="3684588"/>
           </a:xfrm>
         </p:spPr>
@@ -1679,8 +1680,8 @@
         </p:nvSpPr>
         <p:spPr>
           <a:xfrm>
-            <a:off x="6172200" y="1681163"/>
-            <a:ext cx="5183188" cy="823912"/>
+            <a:off x="6172201" y="1681164"/>
+            <a:ext cx="5183189" cy="823913"/>
           </a:xfrm>
         </p:spPr>
         <p:txBody>
@@ -1750,8 +1751,8 @@
         </p:nvSpPr>
         <p:spPr>
           <a:xfrm>
-            <a:off x="6172200" y="2505075"/>
-            <a:ext cx="5183188" cy="3684588"/>
+            <a:off x="6172201" y="2505076"/>
+            <a:ext cx="5183189" cy="3684588"/>
           </a:xfrm>
         </p:spPr>
         <p:txBody>
@@ -1817,7 +1818,7 @@
           <a:p>
             <a:fld id="{73F86D5A-F610-40F6-8504-E5F2F69F838C}" type="datetimeFigureOut">
               <a:rPr lang="en-US" smtClean="0"/>
-              <a:t>1/15/2019</a:t>
+              <a:t>2/13/2019</a:t>
             </a:fld>
             <a:endParaRPr lang="en-US"/>
           </a:p>
@@ -1958,7 +1959,7 @@
           <a:p>
             <a:fld id="{73F86D5A-F610-40F6-8504-E5F2F69F838C}" type="datetimeFigureOut">
               <a:rPr lang="en-US" smtClean="0"/>
-              <a:t>1/15/2019</a:t>
+              <a:t>2/13/2019</a:t>
             </a:fld>
             <a:endParaRPr lang="en-US"/>
           </a:p>
@@ -2071,7 +2072,7 @@
           <a:p>
             <a:fld id="{73F86D5A-F610-40F6-8504-E5F2F69F838C}" type="datetimeFigureOut">
               <a:rPr lang="en-US" smtClean="0"/>
-              <a:t>1/15/2019</a:t>
+              <a:t>2/13/2019</a:t>
             </a:fld>
             <a:endParaRPr lang="en-US"/>
           </a:p>
@@ -2179,8 +2180,8 @@
         </p:nvSpPr>
         <p:spPr>
           <a:xfrm>
-            <a:off x="839788" y="457200"/>
-            <a:ext cx="3932237" cy="1600200"/>
+            <a:off x="839790" y="457200"/>
+            <a:ext cx="3932238" cy="1600200"/>
           </a:xfrm>
         </p:spPr>
         <p:txBody>
@@ -2216,7 +2217,7 @@
         </p:nvSpPr>
         <p:spPr>
           <a:xfrm>
-            <a:off x="5183188" y="987425"/>
+            <a:off x="5183189" y="987425"/>
             <a:ext cx="6172200" cy="4873625"/>
           </a:xfrm>
         </p:spPr>
@@ -2306,8 +2307,8 @@
         </p:nvSpPr>
         <p:spPr>
           <a:xfrm>
-            <a:off x="839788" y="2057400"/>
-            <a:ext cx="3932237" cy="3811588"/>
+            <a:off x="839790" y="2057401"/>
+            <a:ext cx="3932238" cy="3811588"/>
           </a:xfrm>
         </p:spPr>
         <p:txBody>
@@ -2382,7 +2383,7 @@
           <a:p>
             <a:fld id="{73F86D5A-F610-40F6-8504-E5F2F69F838C}" type="datetimeFigureOut">
               <a:rPr lang="en-US" smtClean="0"/>
-              <a:t>1/15/2019</a:t>
+              <a:t>2/13/2019</a:t>
             </a:fld>
             <a:endParaRPr lang="en-US"/>
           </a:p>
@@ -2490,8 +2491,8 @@
         </p:nvSpPr>
         <p:spPr>
           <a:xfrm>
-            <a:off x="839788" y="457200"/>
-            <a:ext cx="3932237" cy="1600200"/>
+            <a:off x="839790" y="457200"/>
+            <a:ext cx="3932238" cy="1600200"/>
           </a:xfrm>
         </p:spPr>
         <p:txBody>
@@ -2527,7 +2528,7 @@
         </p:nvSpPr>
         <p:spPr>
           <a:xfrm>
-            <a:off x="5183188" y="987425"/>
+            <a:off x="5183189" y="987425"/>
             <a:ext cx="6172200" cy="4873625"/>
           </a:xfrm>
         </p:spPr>
@@ -2594,8 +2595,8 @@
         </p:nvSpPr>
         <p:spPr>
           <a:xfrm>
-            <a:off x="839788" y="2057400"/>
-            <a:ext cx="3932237" cy="3811588"/>
+            <a:off x="839790" y="2057401"/>
+            <a:ext cx="3932238" cy="3811588"/>
           </a:xfrm>
         </p:spPr>
         <p:txBody>
@@ -2670,7 +2671,7 @@
           <a:p>
             <a:fld id="{73F86D5A-F610-40F6-8504-E5F2F69F838C}" type="datetimeFigureOut">
               <a:rPr lang="en-US" smtClean="0"/>
-              <a:t>1/15/2019</a:t>
+              <a:t>2/13/2019</a:t>
             </a:fld>
             <a:endParaRPr lang="en-US"/>
           </a:p>
@@ -2783,7 +2784,7 @@
         </p:nvSpPr>
         <p:spPr>
           <a:xfrm>
-            <a:off x="838200" y="365125"/>
+            <a:off x="838200" y="365126"/>
             <a:ext cx="10515600" cy="1325563"/>
           </a:xfrm>
           <a:prstGeom prst="rect">
@@ -2821,7 +2822,7 @@
         </p:nvSpPr>
         <p:spPr>
           <a:xfrm>
-            <a:off x="838200" y="1825625"/>
+            <a:off x="838200" y="1825626"/>
             <a:ext cx="10515600" cy="4351338"/>
           </a:xfrm>
           <a:prstGeom prst="rect">
@@ -2911,7 +2912,7 @@
           <a:p>
             <a:fld id="{73F86D5A-F610-40F6-8504-E5F2F69F838C}" type="datetimeFigureOut">
               <a:rPr lang="en-US" smtClean="0"/>
-              <a:t>1/15/2019</a:t>
+              <a:t>2/13/2019</a:t>
             </a:fld>
             <a:endParaRPr lang="en-US"/>
           </a:p>
@@ -3328,6 +3329,815 @@
           <a:chExt cx="0" cy="0"/>
         </a:xfrm>
       </p:grpSpPr>
+      <p:grpSp>
+        <p:nvGrpSpPr>
+          <p:cNvPr id="3" name="Group 2"/>
+          <p:cNvGrpSpPr/>
+          <p:nvPr/>
+        </p:nvGrpSpPr>
+        <p:grpSpPr>
+          <a:xfrm>
+            <a:off x="0" y="63610"/>
+            <a:ext cx="5693052" cy="2701964"/>
+            <a:chOff x="0" y="63610"/>
+            <a:chExt cx="5693052" cy="2702220"/>
+          </a:xfrm>
+        </p:grpSpPr>
+        <p:sp>
+          <p:nvSpPr>
+            <p:cNvPr id="16" name="Rectangle 15">
+              <a:extLst>
+                <a:ext uri="{FF2B5EF4-FFF2-40B4-BE49-F238E27FC236}">
+                  <a16:creationId xmlns:a16="http://schemas.microsoft.com/office/drawing/2014/main" id="{623D86B1-E85A-4118-9B89-D95DDAE11FE2}"/>
+                </a:ext>
+              </a:extLst>
+            </p:cNvPr>
+            <p:cNvSpPr/>
+            <p:nvPr/>
+          </p:nvSpPr>
+          <p:spPr>
+            <a:xfrm>
+              <a:off x="2630256" y="653533"/>
+              <a:ext cx="1427748" cy="1122948"/>
+            </a:xfrm>
+            <a:prstGeom prst="rect">
+              <a:avLst/>
+            </a:prstGeom>
+            <a:solidFill>
+              <a:schemeClr val="bg1"/>
+            </a:solidFill>
+            <a:ln w="38100">
+              <a:noFill/>
+            </a:ln>
+            <a:effectLst>
+              <a:outerShdw blurRad="107950" dist="12700" dir="5400000" algn="ctr">
+                <a:srgbClr val="000000"/>
+              </a:outerShdw>
+            </a:effectLst>
+            <a:scene3d>
+              <a:camera prst="orthographicFront">
+                <a:rot lat="0" lon="0" rev="0"/>
+              </a:camera>
+              <a:lightRig rig="soft" dir="t">
+                <a:rot lat="0" lon="0" rev="0"/>
+              </a:lightRig>
+            </a:scene3d>
+            <a:sp3d contourW="44450" prstMaterial="matte">
+              <a:bevelT w="63500" h="63500" prst="artDeco"/>
+              <a:contourClr>
+                <a:srgbClr val="FFFFFF"/>
+              </a:contourClr>
+            </a:sp3d>
+          </p:spPr>
+          <p:style>
+            <a:lnRef idx="2">
+              <a:schemeClr val="accent1">
+                <a:shade val="50000"/>
+              </a:schemeClr>
+            </a:lnRef>
+            <a:fillRef idx="1">
+              <a:schemeClr val="accent1"/>
+            </a:fillRef>
+            <a:effectRef idx="0">
+              <a:schemeClr val="accent1"/>
+            </a:effectRef>
+            <a:fontRef idx="minor">
+              <a:schemeClr val="lt1"/>
+            </a:fontRef>
+          </p:style>
+          <p:txBody>
+            <a:bodyPr rtlCol="0" anchor="ctr"/>
+            <a:lstStyle/>
+            <a:p>
+              <a:pPr algn="ctr"/>
+              <a:r>
+                <a:rPr lang="en-US" dirty="0" err="1">
+                  <a:solidFill>
+                    <a:schemeClr val="tx1"/>
+                  </a:solidFill>
+                </a:rPr>
+                <a:t>Datalog</a:t>
+              </a:r>
+              <a:r>
+                <a:rPr lang="en-US" dirty="0">
+                  <a:solidFill>
+                    <a:schemeClr val="tx1"/>
+                  </a:solidFill>
+                </a:rPr>
+                <a:t> program</a:t>
+              </a:r>
+            </a:p>
+          </p:txBody>
+        </p:sp>
+        <p:sp>
+          <p:nvSpPr>
+            <p:cNvPr id="17" name="Rectangle: Rounded Corners 16">
+              <a:extLst>
+                <a:ext uri="{FF2B5EF4-FFF2-40B4-BE49-F238E27FC236}">
+                  <a16:creationId xmlns:a16="http://schemas.microsoft.com/office/drawing/2014/main" id="{E5EE7A59-0EC6-437F-B6D5-64EDF43A5AA4}"/>
+                </a:ext>
+              </a:extLst>
+            </p:cNvPr>
+            <p:cNvSpPr/>
+            <p:nvPr/>
+          </p:nvSpPr>
+          <p:spPr>
+            <a:xfrm>
+              <a:off x="929792" y="348731"/>
+              <a:ext cx="657726" cy="753979"/>
+            </a:xfrm>
+            <a:prstGeom prst="roundRect">
+              <a:avLst/>
+            </a:prstGeom>
+            <a:gradFill flip="none" rotWithShape="1">
+              <a:gsLst>
+                <a:gs pos="33000">
+                  <a:schemeClr val="bg1"/>
+                </a:gs>
+                <a:gs pos="36000">
+                  <a:schemeClr val="accent1">
+                    <a:lumMod val="30000"/>
+                    <a:lumOff val="70000"/>
+                  </a:schemeClr>
+                </a:gs>
+              </a:gsLst>
+              <a:lin ang="5400000" scaled="1"/>
+              <a:tileRect/>
+            </a:gradFill>
+            <a:ln>
+              <a:noFill/>
+            </a:ln>
+            <a:effectLst>
+              <a:outerShdw blurRad="107950" dist="12700" dir="5400000" algn="ctr">
+                <a:srgbClr val="000000"/>
+              </a:outerShdw>
+            </a:effectLst>
+            <a:scene3d>
+              <a:camera prst="orthographicFront">
+                <a:rot lat="0" lon="0" rev="0"/>
+              </a:camera>
+              <a:lightRig rig="soft" dir="t">
+                <a:rot lat="0" lon="0" rev="0"/>
+              </a:lightRig>
+            </a:scene3d>
+            <a:sp3d contourW="44450" prstMaterial="matte">
+              <a:bevelT w="63500" h="63500" prst="artDeco"/>
+              <a:contourClr>
+                <a:srgbClr val="FFFFFF"/>
+              </a:contourClr>
+            </a:sp3d>
+          </p:spPr>
+          <p:style>
+            <a:lnRef idx="2">
+              <a:schemeClr val="accent1">
+                <a:shade val="50000"/>
+              </a:schemeClr>
+            </a:lnRef>
+            <a:fillRef idx="1">
+              <a:schemeClr val="accent1"/>
+            </a:fillRef>
+            <a:effectRef idx="0">
+              <a:schemeClr val="accent1"/>
+            </a:effectRef>
+            <a:fontRef idx="minor">
+              <a:schemeClr val="lt1"/>
+            </a:fontRef>
+          </p:style>
+          <p:txBody>
+            <a:bodyPr rtlCol="0" anchor="ctr"/>
+            <a:lstStyle/>
+            <a:p>
+              <a:pPr algn="ctr"/>
+              <a:r>
+                <a:rPr lang="en-US" dirty="0">
+                  <a:solidFill>
+                    <a:schemeClr val="tx1"/>
+                  </a:solidFill>
+                </a:rPr>
+                <a:t>C1</a:t>
+              </a:r>
+            </a:p>
+          </p:txBody>
+        </p:sp>
+        <p:sp>
+          <p:nvSpPr>
+            <p:cNvPr id="18" name="Rectangle: Rounded Corners 17">
+              <a:extLst>
+                <a:ext uri="{FF2B5EF4-FFF2-40B4-BE49-F238E27FC236}">
+                  <a16:creationId xmlns:a16="http://schemas.microsoft.com/office/drawing/2014/main" id="{A81C1026-ABED-438D-952A-F545659E54AC}"/>
+                </a:ext>
+              </a:extLst>
+            </p:cNvPr>
+            <p:cNvSpPr/>
+            <p:nvPr/>
+          </p:nvSpPr>
+          <p:spPr>
+            <a:xfrm>
+              <a:off x="1258655" y="1335321"/>
+              <a:ext cx="657726" cy="753979"/>
+            </a:xfrm>
+            <a:prstGeom prst="roundRect">
+              <a:avLst/>
+            </a:prstGeom>
+            <a:solidFill>
+              <a:schemeClr val="accent1">
+                <a:lumMod val="20000"/>
+                <a:lumOff val="80000"/>
+              </a:schemeClr>
+            </a:solidFill>
+            <a:ln>
+              <a:noFill/>
+            </a:ln>
+            <a:effectLst>
+              <a:outerShdw blurRad="107950" dist="12700" dir="5400000" algn="ctr">
+                <a:srgbClr val="000000"/>
+              </a:outerShdw>
+            </a:effectLst>
+            <a:scene3d>
+              <a:camera prst="orthographicFront">
+                <a:rot lat="0" lon="0" rev="0"/>
+              </a:camera>
+              <a:lightRig rig="soft" dir="t">
+                <a:rot lat="0" lon="0" rev="0"/>
+              </a:lightRig>
+            </a:scene3d>
+            <a:sp3d contourW="44450" prstMaterial="matte">
+              <a:bevelT w="63500" h="63500" prst="artDeco"/>
+              <a:contourClr>
+                <a:srgbClr val="FFFFFF"/>
+              </a:contourClr>
+            </a:sp3d>
+          </p:spPr>
+          <p:style>
+            <a:lnRef idx="2">
+              <a:schemeClr val="accent1">
+                <a:shade val="50000"/>
+              </a:schemeClr>
+            </a:lnRef>
+            <a:fillRef idx="1">
+              <a:schemeClr val="accent1"/>
+            </a:fillRef>
+            <a:effectRef idx="0">
+              <a:schemeClr val="accent1"/>
+            </a:effectRef>
+            <a:fontRef idx="minor">
+              <a:schemeClr val="lt1"/>
+            </a:fontRef>
+          </p:style>
+          <p:txBody>
+            <a:bodyPr rtlCol="0" anchor="ctr"/>
+            <a:lstStyle/>
+            <a:p>
+              <a:pPr algn="ctr"/>
+              <a:r>
+                <a:rPr lang="en-US" dirty="0">
+                  <a:solidFill>
+                    <a:schemeClr val="tx1"/>
+                  </a:solidFill>
+                </a:rPr>
+                <a:t>C3</a:t>
+              </a:r>
+            </a:p>
+          </p:txBody>
+        </p:sp>
+        <p:sp>
+          <p:nvSpPr>
+            <p:cNvPr id="19" name="Rectangle: Rounded Corners 18">
+              <a:extLst>
+                <a:ext uri="{FF2B5EF4-FFF2-40B4-BE49-F238E27FC236}">
+                  <a16:creationId xmlns:a16="http://schemas.microsoft.com/office/drawing/2014/main" id="{D196674E-EDE5-47F2-89AB-A1BDE94185E0}"/>
+                </a:ext>
+              </a:extLst>
+            </p:cNvPr>
+            <p:cNvSpPr/>
+            <p:nvPr/>
+          </p:nvSpPr>
+          <p:spPr>
+            <a:xfrm>
+              <a:off x="127686" y="864590"/>
+              <a:ext cx="657726" cy="992100"/>
+            </a:xfrm>
+            <a:prstGeom prst="roundRect">
+              <a:avLst/>
+            </a:prstGeom>
+            <a:gradFill>
+              <a:gsLst>
+                <a:gs pos="21000">
+                  <a:srgbClr val="FFC000"/>
+                </a:gs>
+                <a:gs pos="22000">
+                  <a:schemeClr val="bg1"/>
+                </a:gs>
+                <a:gs pos="23000">
+                  <a:schemeClr val="bg1"/>
+                </a:gs>
+                <a:gs pos="23000">
+                  <a:schemeClr val="accent1">
+                    <a:lumMod val="30000"/>
+                    <a:lumOff val="70000"/>
+                  </a:schemeClr>
+                </a:gs>
+              </a:gsLst>
+              <a:lin ang="5400000" scaled="1"/>
+            </a:gradFill>
+            <a:ln>
+              <a:noFill/>
+            </a:ln>
+            <a:effectLst>
+              <a:outerShdw blurRad="107950" dist="12700" dir="5400000" algn="ctr">
+                <a:srgbClr val="000000"/>
+              </a:outerShdw>
+            </a:effectLst>
+            <a:scene3d>
+              <a:camera prst="orthographicFront">
+                <a:rot lat="0" lon="0" rev="0"/>
+              </a:camera>
+              <a:lightRig rig="soft" dir="t">
+                <a:rot lat="0" lon="0" rev="0"/>
+              </a:lightRig>
+            </a:scene3d>
+            <a:sp3d contourW="44450" prstMaterial="matte">
+              <a:bevelT w="63500" h="63500" prst="artDeco"/>
+              <a:contourClr>
+                <a:srgbClr val="FFFFFF"/>
+              </a:contourClr>
+            </a:sp3d>
+          </p:spPr>
+          <p:style>
+            <a:lnRef idx="2">
+              <a:schemeClr val="accent1">
+                <a:shade val="50000"/>
+              </a:schemeClr>
+            </a:lnRef>
+            <a:fillRef idx="1">
+              <a:schemeClr val="accent1"/>
+            </a:fillRef>
+            <a:effectRef idx="0">
+              <a:schemeClr val="accent1"/>
+            </a:effectRef>
+            <a:fontRef idx="minor">
+              <a:schemeClr val="lt1"/>
+            </a:fontRef>
+          </p:style>
+          <p:txBody>
+            <a:bodyPr rtlCol="0" anchor="ctr"/>
+            <a:lstStyle/>
+            <a:p>
+              <a:pPr algn="ctr"/>
+              <a:r>
+                <a:rPr lang="en-US" dirty="0">
+                  <a:solidFill>
+                    <a:schemeClr val="tx1"/>
+                  </a:solidFill>
+                </a:rPr>
+                <a:t>C2</a:t>
+              </a:r>
+            </a:p>
+          </p:txBody>
+        </p:sp>
+        <p:sp>
+          <p:nvSpPr>
+            <p:cNvPr id="20" name="TextBox 19">
+              <a:extLst>
+                <a:ext uri="{FF2B5EF4-FFF2-40B4-BE49-F238E27FC236}">
+                  <a16:creationId xmlns:a16="http://schemas.microsoft.com/office/drawing/2014/main" id="{F4222D33-336D-4DE1-A34A-2ACC99BD6A5D}"/>
+                </a:ext>
+              </a:extLst>
+            </p:cNvPr>
+            <p:cNvSpPr txBox="1"/>
+            <p:nvPr/>
+          </p:nvSpPr>
+          <p:spPr>
+            <a:xfrm>
+              <a:off x="351180" y="2257743"/>
+              <a:ext cx="1502014" cy="369460"/>
+            </a:xfrm>
+            <a:prstGeom prst="rect">
+              <a:avLst/>
+            </a:prstGeom>
+            <a:noFill/>
+          </p:spPr>
+          <p:txBody>
+            <a:bodyPr wrap="none" rtlCol="0">
+              <a:spAutoFit/>
+            </a:bodyPr>
+            <a:lstStyle/>
+            <a:p>
+              <a:r>
+                <a:rPr lang="en-US" dirty="0"/>
+                <a:t>Input changes</a:t>
+              </a:r>
+            </a:p>
+          </p:txBody>
+        </p:sp>
+        <p:sp>
+          <p:nvSpPr>
+            <p:cNvPr id="21" name="Arrow: Right 20">
+              <a:extLst>
+                <a:ext uri="{FF2B5EF4-FFF2-40B4-BE49-F238E27FC236}">
+                  <a16:creationId xmlns:a16="http://schemas.microsoft.com/office/drawing/2014/main" id="{DD38E060-005F-4337-A232-4475508B3C93}"/>
+                </a:ext>
+              </a:extLst>
+            </p:cNvPr>
+            <p:cNvSpPr/>
+            <p:nvPr/>
+          </p:nvSpPr>
+          <p:spPr>
+            <a:xfrm>
+              <a:off x="2088835" y="950310"/>
+              <a:ext cx="425115" cy="561473"/>
+            </a:xfrm>
+            <a:prstGeom prst="rightArrow">
+              <a:avLst/>
+            </a:prstGeom>
+          </p:spPr>
+          <p:style>
+            <a:lnRef idx="2">
+              <a:schemeClr val="accent1">
+                <a:shade val="50000"/>
+              </a:schemeClr>
+            </a:lnRef>
+            <a:fillRef idx="1">
+              <a:schemeClr val="accent1"/>
+            </a:fillRef>
+            <a:effectRef idx="0">
+              <a:schemeClr val="accent1"/>
+            </a:effectRef>
+            <a:fontRef idx="minor">
+              <a:schemeClr val="lt1"/>
+            </a:fontRef>
+          </p:style>
+          <p:txBody>
+            <a:bodyPr rtlCol="0" anchor="ctr"/>
+            <a:lstStyle/>
+            <a:p>
+              <a:pPr algn="ctr"/>
+              <a:endParaRPr lang="en-US"/>
+            </a:p>
+          </p:txBody>
+        </p:sp>
+        <p:sp>
+          <p:nvSpPr>
+            <p:cNvPr id="22" name="Arrow: Right 21">
+              <a:extLst>
+                <a:ext uri="{FF2B5EF4-FFF2-40B4-BE49-F238E27FC236}">
+                  <a16:creationId xmlns:a16="http://schemas.microsoft.com/office/drawing/2014/main" id="{0289EAE4-1964-42B1-86A3-73AB5500C410}"/>
+                </a:ext>
+              </a:extLst>
+            </p:cNvPr>
+            <p:cNvSpPr/>
+            <p:nvPr/>
+          </p:nvSpPr>
+          <p:spPr>
+            <a:xfrm>
+              <a:off x="4182332" y="950310"/>
+              <a:ext cx="425115" cy="561473"/>
+            </a:xfrm>
+            <a:prstGeom prst="rightArrow">
+              <a:avLst/>
+            </a:prstGeom>
+          </p:spPr>
+          <p:style>
+            <a:lnRef idx="2">
+              <a:schemeClr val="accent1">
+                <a:shade val="50000"/>
+              </a:schemeClr>
+            </a:lnRef>
+            <a:fillRef idx="1">
+              <a:schemeClr val="accent1"/>
+            </a:fillRef>
+            <a:effectRef idx="0">
+              <a:schemeClr val="accent1"/>
+            </a:effectRef>
+            <a:fontRef idx="minor">
+              <a:schemeClr val="lt1"/>
+            </a:fontRef>
+          </p:style>
+          <p:txBody>
+            <a:bodyPr rtlCol="0" anchor="ctr"/>
+            <a:lstStyle/>
+            <a:p>
+              <a:pPr algn="ctr"/>
+              <a:endParaRPr lang="en-US"/>
+            </a:p>
+          </p:txBody>
+        </p:sp>
+        <p:sp>
+          <p:nvSpPr>
+            <p:cNvPr id="23" name="Rectangle: Rounded Corners 22">
+              <a:extLst>
+                <a:ext uri="{FF2B5EF4-FFF2-40B4-BE49-F238E27FC236}">
+                  <a16:creationId xmlns:a16="http://schemas.microsoft.com/office/drawing/2014/main" id="{08B48A72-E424-4221-B9CF-5439FFB8CCB8}"/>
+                </a:ext>
+              </a:extLst>
+            </p:cNvPr>
+            <p:cNvSpPr/>
+            <p:nvPr/>
+          </p:nvSpPr>
+          <p:spPr>
+            <a:xfrm>
+              <a:off x="4771879" y="159097"/>
+              <a:ext cx="657726" cy="943613"/>
+            </a:xfrm>
+            <a:prstGeom prst="roundRect">
+              <a:avLst/>
+            </a:prstGeom>
+            <a:gradFill>
+              <a:gsLst>
+                <a:gs pos="21000">
+                  <a:srgbClr val="FFC000"/>
+                </a:gs>
+                <a:gs pos="22000">
+                  <a:schemeClr val="bg1"/>
+                </a:gs>
+                <a:gs pos="23000">
+                  <a:schemeClr val="bg1"/>
+                </a:gs>
+                <a:gs pos="24000">
+                  <a:schemeClr val="accent1">
+                    <a:lumMod val="30000"/>
+                    <a:lumOff val="70000"/>
+                  </a:schemeClr>
+                </a:gs>
+              </a:gsLst>
+              <a:lin ang="5400000" scaled="1"/>
+            </a:gradFill>
+            <a:ln>
+              <a:noFill/>
+            </a:ln>
+            <a:effectLst>
+              <a:outerShdw blurRad="107950" dist="12700" dir="5400000" algn="ctr">
+                <a:srgbClr val="000000"/>
+              </a:outerShdw>
+            </a:effectLst>
+            <a:scene3d>
+              <a:camera prst="orthographicFront">
+                <a:rot lat="0" lon="0" rev="0"/>
+              </a:camera>
+              <a:lightRig rig="soft" dir="t">
+                <a:rot lat="0" lon="0" rev="0"/>
+              </a:lightRig>
+            </a:scene3d>
+            <a:sp3d contourW="44450" prstMaterial="matte">
+              <a:bevelT w="63500" h="63500" prst="artDeco"/>
+              <a:contourClr>
+                <a:srgbClr val="FFFFFF"/>
+              </a:contourClr>
+            </a:sp3d>
+          </p:spPr>
+          <p:style>
+            <a:lnRef idx="2">
+              <a:schemeClr val="accent1">
+                <a:shade val="50000"/>
+              </a:schemeClr>
+            </a:lnRef>
+            <a:fillRef idx="1">
+              <a:schemeClr val="accent1"/>
+            </a:fillRef>
+            <a:effectRef idx="0">
+              <a:schemeClr val="accent1"/>
+            </a:effectRef>
+            <a:fontRef idx="minor">
+              <a:schemeClr val="lt1"/>
+            </a:fontRef>
+          </p:style>
+          <p:txBody>
+            <a:bodyPr rtlCol="0" anchor="ctr"/>
+            <a:lstStyle/>
+            <a:p>
+              <a:pPr algn="ctr"/>
+              <a:r>
+                <a:rPr lang="en-US" dirty="0">
+                  <a:solidFill>
+                    <a:schemeClr val="tx1"/>
+                  </a:solidFill>
+                </a:rPr>
+                <a:t>C4</a:t>
+              </a:r>
+            </a:p>
+          </p:txBody>
+        </p:sp>
+        <p:sp>
+          <p:nvSpPr>
+            <p:cNvPr id="24" name="Rectangle: Rounded Corners 23">
+              <a:extLst>
+                <a:ext uri="{FF2B5EF4-FFF2-40B4-BE49-F238E27FC236}">
+                  <a16:creationId xmlns:a16="http://schemas.microsoft.com/office/drawing/2014/main" id="{3156C84F-DC75-4BBE-858C-783F48783685}"/>
+                </a:ext>
+              </a:extLst>
+            </p:cNvPr>
+            <p:cNvSpPr/>
+            <p:nvPr/>
+          </p:nvSpPr>
+          <p:spPr>
+            <a:xfrm>
+              <a:off x="4771879" y="1198965"/>
+              <a:ext cx="657726" cy="753979"/>
+            </a:xfrm>
+            <a:prstGeom prst="roundRect">
+              <a:avLst/>
+            </a:prstGeom>
+            <a:gradFill>
+              <a:gsLst>
+                <a:gs pos="21000">
+                  <a:schemeClr val="bg1"/>
+                </a:gs>
+                <a:gs pos="22000">
+                  <a:schemeClr val="bg1"/>
+                </a:gs>
+                <a:gs pos="23000">
+                  <a:schemeClr val="bg1"/>
+                </a:gs>
+                <a:gs pos="24000">
+                  <a:schemeClr val="accent1">
+                    <a:lumMod val="30000"/>
+                    <a:lumOff val="70000"/>
+                  </a:schemeClr>
+                </a:gs>
+              </a:gsLst>
+              <a:lin ang="5400000" scaled="1"/>
+            </a:gradFill>
+            <a:ln>
+              <a:noFill/>
+            </a:ln>
+            <a:effectLst>
+              <a:outerShdw blurRad="107950" dist="12700" dir="5400000" algn="ctr">
+                <a:srgbClr val="000000"/>
+              </a:outerShdw>
+            </a:effectLst>
+            <a:scene3d>
+              <a:camera prst="orthographicFront">
+                <a:rot lat="0" lon="0" rev="0"/>
+              </a:camera>
+              <a:lightRig rig="soft" dir="t">
+                <a:rot lat="0" lon="0" rev="0"/>
+              </a:lightRig>
+            </a:scene3d>
+            <a:sp3d contourW="44450" prstMaterial="matte">
+              <a:bevelT w="63500" h="63500" prst="artDeco"/>
+              <a:contourClr>
+                <a:srgbClr val="FFFFFF"/>
+              </a:contourClr>
+            </a:sp3d>
+          </p:spPr>
+          <p:style>
+            <a:lnRef idx="2">
+              <a:schemeClr val="accent1">
+                <a:shade val="50000"/>
+              </a:schemeClr>
+            </a:lnRef>
+            <a:fillRef idx="1">
+              <a:schemeClr val="accent1"/>
+            </a:fillRef>
+            <a:effectRef idx="0">
+              <a:schemeClr val="accent1"/>
+            </a:effectRef>
+            <a:fontRef idx="minor">
+              <a:schemeClr val="lt1"/>
+            </a:fontRef>
+          </p:style>
+          <p:txBody>
+            <a:bodyPr rtlCol="0" anchor="ctr"/>
+            <a:lstStyle/>
+            <a:p>
+              <a:pPr algn="ctr"/>
+              <a:r>
+                <a:rPr lang="en-US" dirty="0">
+                  <a:solidFill>
+                    <a:schemeClr val="tx1"/>
+                  </a:solidFill>
+                </a:rPr>
+                <a:t>C5</a:t>
+              </a:r>
+            </a:p>
+          </p:txBody>
+        </p:sp>
+        <p:sp>
+          <p:nvSpPr>
+            <p:cNvPr id="25" name="TextBox 24">
+              <a:extLst>
+                <a:ext uri="{FF2B5EF4-FFF2-40B4-BE49-F238E27FC236}">
+                  <a16:creationId xmlns:a16="http://schemas.microsoft.com/office/drawing/2014/main" id="{846DB3B2-F25A-40C6-929E-283102E9E277}"/>
+                </a:ext>
+              </a:extLst>
+            </p:cNvPr>
+            <p:cNvSpPr txBox="1"/>
+            <p:nvPr/>
+          </p:nvSpPr>
+          <p:spPr>
+            <a:xfrm>
+              <a:off x="4626252" y="2119243"/>
+              <a:ext cx="948979" cy="646587"/>
+            </a:xfrm>
+            <a:prstGeom prst="rect">
+              <a:avLst/>
+            </a:prstGeom>
+            <a:noFill/>
+          </p:spPr>
+          <p:txBody>
+            <a:bodyPr wrap="none" rtlCol="0">
+              <a:spAutoFit/>
+            </a:bodyPr>
+            <a:lstStyle/>
+            <a:p>
+              <a:pPr algn="ctr"/>
+              <a:r>
+                <a:rPr lang="en-US" dirty="0"/>
+                <a:t>Output</a:t>
+              </a:r>
+              <a:br>
+                <a:rPr lang="en-US" dirty="0"/>
+              </a:br>
+              <a:r>
+                <a:rPr lang="en-US" dirty="0"/>
+                <a:t>changes</a:t>
+              </a:r>
+            </a:p>
+          </p:txBody>
+        </p:sp>
+        <p:sp>
+          <p:nvSpPr>
+            <p:cNvPr id="2" name="Rectangle 1">
+              <a:extLst>
+                <a:ext uri="{FF2B5EF4-FFF2-40B4-BE49-F238E27FC236}">
+                  <a16:creationId xmlns:a16="http://schemas.microsoft.com/office/drawing/2014/main" id="{57B39A84-D676-4766-AC9A-A57C5B915BBE}"/>
+                </a:ext>
+              </a:extLst>
+            </p:cNvPr>
+            <p:cNvSpPr/>
+            <p:nvPr/>
+          </p:nvSpPr>
+          <p:spPr>
+            <a:xfrm>
+              <a:off x="0" y="63610"/>
+              <a:ext cx="5693052" cy="2701964"/>
+            </a:xfrm>
+            <a:prstGeom prst="rect">
+              <a:avLst/>
+            </a:prstGeom>
+            <a:noFill/>
+            <a:ln>
+              <a:solidFill>
+                <a:schemeClr val="tx1"/>
+              </a:solidFill>
+            </a:ln>
+          </p:spPr>
+          <p:style>
+            <a:lnRef idx="2">
+              <a:schemeClr val="accent1">
+                <a:shade val="50000"/>
+              </a:schemeClr>
+            </a:lnRef>
+            <a:fillRef idx="1">
+              <a:schemeClr val="accent1"/>
+            </a:fillRef>
+            <a:effectRef idx="0">
+              <a:schemeClr val="accent1"/>
+            </a:effectRef>
+            <a:fontRef idx="minor">
+              <a:schemeClr val="lt1"/>
+            </a:fontRef>
+          </p:style>
+          <p:txBody>
+            <a:bodyPr rtlCol="0" anchor="ctr"/>
+            <a:lstStyle/>
+            <a:p>
+              <a:pPr algn="ctr"/>
+              <a:endParaRPr lang="en-US"/>
+            </a:p>
+          </p:txBody>
+        </p:sp>
+      </p:grpSp>
+    </p:spTree>
+    <p:extLst>
+      <p:ext uri="{BB962C8B-B14F-4D97-AF65-F5344CB8AC3E}">
+        <p14:creationId xmlns:p14="http://schemas.microsoft.com/office/powerpoint/2010/main" val="831373706"/>
+      </p:ext>
+    </p:extLst>
+  </p:cSld>
+  <p:clrMapOvr>
+    <a:masterClrMapping/>
+  </p:clrMapOvr>
+</p:sld>
+</file>
+
+<file path=ppt/slides/slide2.xml><?xml version="1.0" encoding="utf-8"?>
+<p:sld xmlns:a="http://schemas.openxmlformats.org/drawingml/2006/main" xmlns:r="http://schemas.openxmlformats.org/officeDocument/2006/relationships" xmlns:p="http://schemas.openxmlformats.org/presentationml/2006/main">
+  <p:cSld>
+    <p:spTree>
+      <p:nvGrpSpPr>
+        <p:cNvPr id="1" name=""/>
+        <p:cNvGrpSpPr/>
+        <p:nvPr/>
+      </p:nvGrpSpPr>
+      <p:grpSpPr>
+        <a:xfrm>
+          <a:off x="0" y="0"/>
+          <a:ext cx="0" cy="0"/>
+          <a:chOff x="0" y="0"/>
+          <a:chExt cx="0" cy="0"/>
+        </a:xfrm>
+      </p:grpSpPr>
       <p:sp>
         <p:nvSpPr>
           <p:cNvPr id="4" name="Rectangle 3">
@@ -3672,7 +4482,7 @@
         <p:spPr>
           <a:xfrm>
             <a:off x="351180" y="2000753"/>
-            <a:ext cx="1737655" cy="369332"/>
+            <a:ext cx="1737655" cy="369460"/>
           </a:xfrm>
           <a:prstGeom prst="rect">
             <a:avLst/>
@@ -3961,7 +4771,7 @@
         <p:spPr>
           <a:xfrm>
             <a:off x="4508432" y="1862253"/>
-            <a:ext cx="1184620" cy="646331"/>
+            <a:ext cx="1184620" cy="646587"/>
           </a:xfrm>
           <a:prstGeom prst="rect">
             <a:avLst/>
@@ -4356,7 +5166,7 @@
         <p:spPr>
           <a:xfrm>
             <a:off x="351180" y="4773529"/>
-            <a:ext cx="1502014" cy="369332"/>
+            <a:ext cx="1502014" cy="369460"/>
           </a:xfrm>
           <a:prstGeom prst="rect">
             <a:avLst/>
@@ -4436,7 +5246,7 @@
         </p:nvSpPr>
         <p:spPr>
           <a:xfrm>
-            <a:off x="4182332" y="3466096"/>
+            <a:off x="4182334" y="3466098"/>
             <a:ext cx="425115" cy="561473"/>
           </a:xfrm>
           <a:prstGeom prst="rightArrow">
@@ -4482,7 +5292,7 @@
         </p:nvSpPr>
         <p:spPr>
           <a:xfrm>
-            <a:off x="4771879" y="2674883"/>
+            <a:off x="4771879" y="2674885"/>
             <a:ext cx="657726" cy="943613"/>
           </a:xfrm>
           <a:prstGeom prst="roundRect">
@@ -4577,7 +5387,7 @@
         </p:nvSpPr>
         <p:spPr>
           <a:xfrm>
-            <a:off x="4771879" y="3714751"/>
+            <a:off x="4771879" y="3714753"/>
             <a:ext cx="657726" cy="753979"/>
           </a:xfrm>
           <a:prstGeom prst="roundRect">
@@ -4672,8 +5482,8 @@
         </p:nvSpPr>
         <p:spPr>
           <a:xfrm>
-            <a:off x="4626253" y="4635029"/>
-            <a:ext cx="948978" cy="646331"/>
+            <a:off x="4626254" y="4635031"/>
+            <a:ext cx="948979" cy="646587"/>
           </a:xfrm>
           <a:prstGeom prst="rect">
             <a:avLst/>
@@ -4758,8 +5568,8 @@
         </p:nvSpPr>
         <p:spPr>
           <a:xfrm>
-            <a:off x="1916381" y="-48992"/>
-            <a:ext cx="1990097" cy="369332"/>
+            <a:off x="1908558" y="-48992"/>
+            <a:ext cx="2005742" cy="369460"/>
           </a:xfrm>
           <a:prstGeom prst="rect">
             <a:avLst/>
@@ -4795,7 +5605,7 @@
         <p:spPr>
           <a:xfrm>
             <a:off x="2088835" y="2515786"/>
-            <a:ext cx="2272803" cy="369332"/>
+            <a:ext cx="2272802" cy="369460"/>
           </a:xfrm>
           <a:prstGeom prst="rect">
             <a:avLst/>
@@ -4871,7 +5681,7 @@
     </p:spTree>
     <p:extLst>
       <p:ext uri="{BB962C8B-B14F-4D97-AF65-F5344CB8AC3E}">
-        <p14:creationId xmlns:p14="http://schemas.microsoft.com/office/powerpoint/2010/main" val="831373706"/>
+        <p14:creationId xmlns:p14="http://schemas.microsoft.com/office/powerpoint/2010/main" val="646603594"/>
       </p:ext>
     </p:extLst>
   </p:cSld>
@@ -4881,7 +5691,7 @@
 </p:sld>
 </file>
 
-<file path=ppt/slides/slide2.xml><?xml version="1.0" encoding="utf-8"?>
+<file path=ppt/slides/slide3.xml><?xml version="1.0" encoding="utf-8"?>
 <p:sld xmlns:a="http://schemas.openxmlformats.org/drawingml/2006/main" xmlns:r="http://schemas.openxmlformats.org/officeDocument/2006/relationships" xmlns:p="http://schemas.openxmlformats.org/presentationml/2006/main">
   <p:cSld>
     <p:spTree>
@@ -5001,7 +5811,7 @@
         <p:spPr>
           <a:xfrm>
             <a:off x="91307" y="866770"/>
-            <a:ext cx="984116" cy="646331"/>
+            <a:ext cx="984117" cy="646587"/>
           </a:xfrm>
           <a:prstGeom prst="rect">
             <a:avLst/>
@@ -5139,7 +5949,7 @@
         <p:spPr>
           <a:xfrm>
             <a:off x="3622528" y="866773"/>
-            <a:ext cx="984116" cy="646331"/>
+            <a:ext cx="984117" cy="646587"/>
           </a:xfrm>
           <a:prstGeom prst="rect">
             <a:avLst/>
@@ -5309,7 +6119,7 @@
         </p:nvSpPr>
         <p:spPr>
           <a:xfrm>
-            <a:off x="5138487" y="2257424"/>
+            <a:off x="5138487" y="2257426"/>
             <a:ext cx="1427748" cy="962025"/>
           </a:xfrm>
           <a:prstGeom prst="rect">
@@ -5483,8 +6293,8 @@
         </p:nvSpPr>
         <p:spPr>
           <a:xfrm>
-            <a:off x="7154407" y="866770"/>
-            <a:ext cx="1199816" cy="646331"/>
+            <a:off x="7154439" y="866770"/>
+            <a:ext cx="1199752" cy="646587"/>
           </a:xfrm>
           <a:prstGeom prst="rect">
             <a:avLst/>
@@ -5633,7 +6443,7 @@
         <p:spPr>
           <a:xfrm>
             <a:off x="7003307" y="48143"/>
-            <a:ext cx="1502014" cy="369332"/>
+            <a:ext cx="1502014" cy="369460"/>
           </a:xfrm>
           <a:prstGeom prst="rect">
             <a:avLst/>
@@ -5668,7 +6478,7 @@
         <p:spPr>
           <a:xfrm>
             <a:off x="6917582" y="1962396"/>
-            <a:ext cx="1673535" cy="369332"/>
+            <a:ext cx="1673535" cy="369460"/>
           </a:xfrm>
           <a:prstGeom prst="rect">
             <a:avLst/>
@@ -5701,7 +6511,7 @@
 </p:sld>
 </file>
 
-<file path=ppt/slides/slide3.xml><?xml version="1.0" encoding="utf-8"?>
+<file path=ppt/slides/slide4.xml><?xml version="1.0" encoding="utf-8"?>
 <p:sld xmlns:a="http://schemas.openxmlformats.org/drawingml/2006/main" xmlns:r="http://schemas.openxmlformats.org/officeDocument/2006/relationships" xmlns:p="http://schemas.openxmlformats.org/presentationml/2006/main">
   <p:cSld>
     <p:spTree>
@@ -5793,7 +6603,7 @@
         <p:spPr>
           <a:xfrm>
             <a:off x="5582560" y="3897770"/>
-            <a:ext cx="1945954" cy="369332"/>
+            <a:ext cx="1945954" cy="369460"/>
           </a:xfrm>
           <a:prstGeom prst="rect">
             <a:avLst/>
@@ -5828,7 +6638,7 @@
         <p:spPr>
           <a:xfrm>
             <a:off x="8992724" y="3864198"/>
-            <a:ext cx="1484473" cy="369332"/>
+            <a:ext cx="1484473" cy="369460"/>
           </a:xfrm>
           <a:prstGeom prst="rect">
             <a:avLst/>
@@ -5863,7 +6673,7 @@
         <p:spPr>
           <a:xfrm>
             <a:off x="1449781" y="4234107"/>
-            <a:ext cx="1484473" cy="369332"/>
+            <a:ext cx="1484473" cy="369460"/>
           </a:xfrm>
           <a:prstGeom prst="rect">
             <a:avLst/>
@@ -5898,7 +6708,7 @@
         <p:spPr>
           <a:xfrm>
             <a:off x="7528514" y="4871585"/>
-            <a:ext cx="1945954" cy="369332"/>
+            <a:ext cx="1945954" cy="369460"/>
           </a:xfrm>
           <a:prstGeom prst="rect">
             <a:avLst/>
